--- a/04 - Applications/02 - Asynchronus Programming/00 - Presentation/00-0-JS-Applications-Asynchronous-Programming.pptx
+++ b/04 - Applications/02 - Asynchronus Programming/00 - Presentation/00-0-JS-Applications-Asynchronous-Programming.pptx
@@ -353,7 +353,7 @@
             <a:fld id="{4E087215-0C8F-4762-A664-737A353EC9A4}" type="datetimeFigureOut">
               <a:rPr lang="bg-BG" smtClean="0"/>
               <a:pPr/>
-              <a:t>25.2.2021 г.</a:t>
+              <a:t>13.5.2021 г.</a:t>
             </a:fld>
             <a:endParaRPr lang="bg-BG"/>
           </a:p>
@@ -546,7 +546,7 @@
             <a:fld id="{72D84649-876A-46C9-8472-14CB09C070D8}" type="datetimeFigureOut">
               <a:rPr lang="en-US" smtClean="0"/>
               <a:pPr/>
-              <a:t>2/25/2021</a:t>
+              <a:t>12-May-21</a:t>
             </a:fld>
             <a:endParaRPr lang="en-US"/>
           </a:p>
@@ -23198,7 +23198,7 @@
           <a:bodyPr/>
           <a:lstStyle/>
           <a:p>
-            <a:endParaRPr lang="en-US"/>
+            <a:endParaRPr lang="en-US" dirty="0"/>
           </a:p>
         </p:txBody>
       </p:sp>
@@ -26587,7 +26587,7 @@
           <a:p>
             <a:r>
               <a:rPr lang="en-US" sz="3600" dirty="0"/>
-              <a:t>Operate </a:t>
+              <a:t>Operates </a:t>
             </a:r>
             <a:r>
               <a:rPr lang="en-US" sz="3600" b="1" dirty="0">
